--- a/class presentations/CS-486 20171129 r00.pptx
+++ b/class presentations/CS-486 20171129 r00.pptx
@@ -206,7 +206,7 @@
           <a:p>
             <a:fld id="{1B6CDFEE-A5EA-DB48-A00E-316513CC50B1}" type="datetimeFigureOut">
               <a:rPr lang="en-US" smtClean="0"/>
-              <a:t>11/29/17</a:t>
+              <a:t>12/4/17</a:t>
             </a:fld>
             <a:endParaRPr lang="en-US"/>
           </a:p>
@@ -655,7 +655,7 @@
           <a:p>
             <a:fld id="{0E8B6002-C328-F344-B2E8-2CAD11C9B966}" type="datetimeFigureOut">
               <a:rPr lang="en-US" smtClean="0"/>
-              <a:t>11/29/17</a:t>
+              <a:t>12/4/17</a:t>
             </a:fld>
             <a:endParaRPr lang="en-US"/>
           </a:p>
@@ -825,7 +825,7 @@
           <a:p>
             <a:fld id="{0E8B6002-C328-F344-B2E8-2CAD11C9B966}" type="datetimeFigureOut">
               <a:rPr lang="en-US" smtClean="0"/>
-              <a:t>11/29/17</a:t>
+              <a:t>12/4/17</a:t>
             </a:fld>
             <a:endParaRPr lang="en-US"/>
           </a:p>
@@ -1005,7 +1005,7 @@
           <a:p>
             <a:fld id="{0E8B6002-C328-F344-B2E8-2CAD11C9B966}" type="datetimeFigureOut">
               <a:rPr lang="en-US" smtClean="0"/>
-              <a:t>11/29/17</a:t>
+              <a:t>12/4/17</a:t>
             </a:fld>
             <a:endParaRPr lang="en-US"/>
           </a:p>
@@ -1175,7 +1175,7 @@
           <a:p>
             <a:fld id="{0E8B6002-C328-F344-B2E8-2CAD11C9B966}" type="datetimeFigureOut">
               <a:rPr lang="en-US" smtClean="0"/>
-              <a:t>11/29/17</a:t>
+              <a:t>12/4/17</a:t>
             </a:fld>
             <a:endParaRPr lang="en-US"/>
           </a:p>
@@ -1421,7 +1421,7 @@
           <a:p>
             <a:fld id="{0E8B6002-C328-F344-B2E8-2CAD11C9B966}" type="datetimeFigureOut">
               <a:rPr lang="en-US" smtClean="0"/>
-              <a:t>11/29/17</a:t>
+              <a:t>12/4/17</a:t>
             </a:fld>
             <a:endParaRPr lang="en-US"/>
           </a:p>
@@ -1709,7 +1709,7 @@
           <a:p>
             <a:fld id="{0E8B6002-C328-F344-B2E8-2CAD11C9B966}" type="datetimeFigureOut">
               <a:rPr lang="en-US" smtClean="0"/>
-              <a:t>11/29/17</a:t>
+              <a:t>12/4/17</a:t>
             </a:fld>
             <a:endParaRPr lang="en-US"/>
           </a:p>
@@ -2131,7 +2131,7 @@
           <a:p>
             <a:fld id="{0E8B6002-C328-F344-B2E8-2CAD11C9B966}" type="datetimeFigureOut">
               <a:rPr lang="en-US" smtClean="0"/>
-              <a:t>11/29/17</a:t>
+              <a:t>12/4/17</a:t>
             </a:fld>
             <a:endParaRPr lang="en-US"/>
           </a:p>
@@ -2249,7 +2249,7 @@
           <a:p>
             <a:fld id="{0E8B6002-C328-F344-B2E8-2CAD11C9B966}" type="datetimeFigureOut">
               <a:rPr lang="en-US" smtClean="0"/>
-              <a:t>11/29/17</a:t>
+              <a:t>12/4/17</a:t>
             </a:fld>
             <a:endParaRPr lang="en-US"/>
           </a:p>
@@ -2344,7 +2344,7 @@
           <a:p>
             <a:fld id="{0E8B6002-C328-F344-B2E8-2CAD11C9B966}" type="datetimeFigureOut">
               <a:rPr lang="en-US" smtClean="0"/>
-              <a:t>11/29/17</a:t>
+              <a:t>12/4/17</a:t>
             </a:fld>
             <a:endParaRPr lang="en-US"/>
           </a:p>
@@ -2621,7 +2621,7 @@
           <a:p>
             <a:fld id="{0E8B6002-C328-F344-B2E8-2CAD11C9B966}" type="datetimeFigureOut">
               <a:rPr lang="en-US" smtClean="0"/>
-              <a:t>11/29/17</a:t>
+              <a:t>12/4/17</a:t>
             </a:fld>
             <a:endParaRPr lang="en-US"/>
           </a:p>
@@ -2874,7 +2874,7 @@
           <a:p>
             <a:fld id="{0E8B6002-C328-F344-B2E8-2CAD11C9B966}" type="datetimeFigureOut">
               <a:rPr lang="en-US" smtClean="0"/>
-              <a:t>11/29/17</a:t>
+              <a:t>12/4/17</a:t>
             </a:fld>
             <a:endParaRPr lang="en-US"/>
           </a:p>
@@ -3087,7 +3087,7 @@
           <a:p>
             <a:fld id="{0E8B6002-C328-F344-B2E8-2CAD11C9B966}" type="datetimeFigureOut">
               <a:rPr lang="en-US" smtClean="0"/>
-              <a:t>11/29/17</a:t>
+              <a:t>12/4/17</a:t>
             </a:fld>
             <a:endParaRPr lang="en-US"/>
           </a:p>
@@ -3560,15 +3560,7 @@
                   <a:srgbClr val="FFFFFF"/>
                 </a:solidFill>
               </a:rPr>
-              <a:t>November </a:t>
-            </a:r>
-            <a:r>
-              <a:rPr lang="en-US" dirty="0" smtClean="0">
-                <a:solidFill>
-                  <a:srgbClr val="FFFFFF"/>
-                </a:solidFill>
-              </a:rPr>
-              <a:t>29</a:t>
+              <a:t>December 4</a:t>
             </a:r>
             <a:r>
               <a:rPr lang="en-US" baseline="30000" dirty="0" smtClean="0">
@@ -3584,7 +3576,15 @@
                   <a:srgbClr val="FFFFFF"/>
                 </a:solidFill>
               </a:rPr>
-              <a:t>, 2017 </a:t>
+              <a:t>, </a:t>
+            </a:r>
+            <a:r>
+              <a:rPr lang="en-US" dirty="0" smtClean="0">
+                <a:solidFill>
+                  <a:srgbClr val="FFFFFF"/>
+                </a:solidFill>
+              </a:rPr>
+              <a:t>2017 </a:t>
             </a:r>
             <a:r>
               <a:rPr lang="en-US" sz="1600" dirty="0" smtClean="0">
@@ -5089,7 +5089,7 @@
             </a:br>
             <a:r>
               <a:rPr lang="en-US" sz="2000" dirty="0" smtClean="0"/>
-              <a:t>Wednesday November 29</a:t>
+              <a:t>Monday December 4</a:t>
             </a:r>
             <a:r>
               <a:rPr lang="en-US" sz="2000" baseline="30000" dirty="0" smtClean="0"/>
@@ -5097,7 +5097,11 @@
             </a:r>
             <a:r>
               <a:rPr lang="en-US" sz="2000" dirty="0" smtClean="0"/>
-              <a:t>, 2017</a:t>
+              <a:t>, </a:t>
+            </a:r>
+            <a:r>
+              <a:rPr lang="en-US" sz="2000" dirty="0" smtClean="0"/>
+              <a:t>2017</a:t>
             </a:r>
             <a:endParaRPr lang="en-US" dirty="0"/>
           </a:p>
@@ -5124,25 +5128,6 @@
               <a:rPr lang="en-US" sz="2300" dirty="0" smtClean="0"/>
               <a:t>Projects</a:t>
             </a:r>
-            <a:endParaRPr lang="en-US" sz="2300" dirty="0" smtClean="0"/>
-          </a:p>
-          <a:p>
-            <a:pPr lvl="1"/>
-            <a:r>
-              <a:rPr lang="en-US" sz="1900" dirty="0" smtClean="0"/>
-              <a:t>Design review </a:t>
-            </a:r>
-            <a:r>
-              <a:rPr lang="mr-IN" sz="1900" dirty="0" smtClean="0"/>
-              <a:t>…</a:t>
-            </a:r>
-            <a:endParaRPr lang="en-US" sz="1900" dirty="0" smtClean="0"/>
-          </a:p>
-          <a:p>
-            <a:r>
-              <a:rPr lang="en-US" sz="2300" dirty="0" smtClean="0"/>
-              <a:t>Mix Nets</a:t>
-            </a:r>
           </a:p>
           <a:p>
             <a:r>
@@ -5155,14 +5140,104 @@
             </a:r>
             <a:r>
               <a:rPr lang="en-US" sz="2300" dirty="0" smtClean="0"/>
-              <a:t> Applied Crypto</a:t>
-            </a:r>
-          </a:p>
-          <a:p>
-            <a:pPr marL="800100" lvl="1"/>
+              <a:t> </a:t>
+            </a:r>
+            <a:r>
+              <a:rPr lang="en-US" sz="2300" dirty="0" err="1" smtClean="0"/>
+              <a:t>Kademlia</a:t>
+            </a:r>
             <a:endParaRPr lang="en-US" sz="1500" dirty="0" smtClean="0">
               <a:hlinkClick r:id="rId3"/>
             </a:endParaRPr>
+          </a:p>
+          <a:p>
+            <a:r>
+              <a:rPr lang="en-US" sz="2300" dirty="0" err="1" smtClean="0"/>
+              <a:t>Misc</a:t>
+            </a:r>
+            <a:r>
+              <a:rPr lang="en-US" sz="2300" dirty="0" smtClean="0"/>
+              <a:t> Topics:</a:t>
+            </a:r>
+          </a:p>
+          <a:p>
+            <a:pPr lvl="1"/>
+            <a:r>
+              <a:rPr lang="en-US" sz="2000" i="1" dirty="0">
+                <a:hlinkClick r:id="rId4"/>
+              </a:rPr>
+              <a:t>https://en.wikipedia.org/wiki/</a:t>
+            </a:r>
+            <a:r>
+              <a:rPr lang="en-US" sz="2000" i="1" dirty="0" smtClean="0">
+                <a:hlinkClick r:id="rId4"/>
+              </a:rPr>
+              <a:t>Bloom_filter</a:t>
+            </a:r>
+          </a:p>
+          <a:p>
+            <a:pPr lvl="1"/>
+            <a:r>
+              <a:rPr lang="en-US" sz="2000" i="1" dirty="0" smtClean="0">
+                <a:hlinkClick r:id="rId4"/>
+              </a:rPr>
+              <a:t>www.cs.au.dk</a:t>
+            </a:r>
+            <a:r>
+              <a:rPr lang="en-US" sz="2000" i="1" dirty="0">
+                <a:hlinkClick r:id="rId4"/>
+              </a:rPr>
+              <a:t>/~orlandi/</a:t>
+            </a:r>
+            <a:r>
+              <a:rPr lang="en-US" sz="2000" i="1" dirty="0" smtClean="0">
+                <a:hlinkClick r:id="rId4"/>
+              </a:rPr>
+              <a:t>theorycoin.pptx</a:t>
+            </a:r>
+            <a:endParaRPr lang="en-US" sz="2000" i="1" dirty="0" smtClean="0"/>
+          </a:p>
+          <a:p>
+            <a:pPr lvl="1"/>
+            <a:r>
+              <a:rPr lang="en-US" sz="2000" i="1" dirty="0">
+                <a:hlinkClick r:id="rId5" action="ppaction://hlinkpres?slideindex=1&amp;slidetitle="/>
+              </a:rPr>
+              <a:t>web.csulb.edu/sites/media/Media_Bitcoin%</a:t>
+            </a:r>
+            <a:r>
+              <a:rPr lang="en-US" sz="2000" i="1" dirty="0" smtClean="0">
+                <a:hlinkClick r:id="rId5" action="ppaction://hlinkpres?slideindex=1&amp;slidetitle="/>
+              </a:rPr>
+              <a:t>20Seminar.pptx  </a:t>
+            </a:r>
+            <a:endParaRPr lang="en-US" sz="2000" i="1" dirty="0" smtClean="0"/>
+          </a:p>
+          <a:p>
+            <a:pPr lvl="1"/>
+            <a:r>
+              <a:rPr lang="en-US" sz="1900" dirty="0">
+                <a:hlinkClick r:id="rId6"/>
+              </a:rPr>
+              <a:t>https://github.com/bitcoinbook/</a:t>
+            </a:r>
+            <a:r>
+              <a:rPr lang="en-US" sz="1900" dirty="0" smtClean="0">
+                <a:hlinkClick r:id="rId6"/>
+              </a:rPr>
+              <a:t>bitcoinbook</a:t>
+            </a:r>
+            <a:r>
+              <a:rPr lang="en-US" sz="1900" dirty="0" smtClean="0"/>
+              <a:t> </a:t>
+            </a:r>
+            <a:endParaRPr lang="en-US" sz="1900" dirty="0" smtClean="0"/>
+          </a:p>
+          <a:p>
+            <a:r>
+              <a:rPr lang="en-US" sz="2300" dirty="0" smtClean="0"/>
+              <a:t>Other Review </a:t>
+            </a:r>
           </a:p>
           <a:p>
             <a:pPr marL="400050"/>
